--- a/ECE1747H Project Presentation.pptx
+++ b/ECE1747H Project Presentation.pptx
@@ -5,7 +5,7 @@
     <p:sldMasterId id="2147483654" r:id="rId1"/>
   </p:sldMasterIdLst>
   <p:notesMasterIdLst>
-    <p:notesMasterId r:id="rId19"/>
+    <p:notesMasterId r:id="rId20"/>
   </p:notesMasterIdLst>
   <p:sldIdLst>
     <p:sldId id="292" r:id="rId2"/>
@@ -14,17 +14,18 @@
     <p:sldId id="294" r:id="rId5"/>
     <p:sldId id="296" r:id="rId6"/>
     <p:sldId id="300" r:id="rId7"/>
-    <p:sldId id="301" r:id="rId8"/>
-    <p:sldId id="302" r:id="rId9"/>
-    <p:sldId id="303" r:id="rId10"/>
-    <p:sldId id="304" r:id="rId11"/>
-    <p:sldId id="305" r:id="rId12"/>
-    <p:sldId id="306" r:id="rId13"/>
-    <p:sldId id="307" r:id="rId14"/>
-    <p:sldId id="297" r:id="rId15"/>
-    <p:sldId id="298" r:id="rId16"/>
-    <p:sldId id="299" r:id="rId17"/>
-    <p:sldId id="291" r:id="rId18"/>
+    <p:sldId id="308" r:id="rId8"/>
+    <p:sldId id="301" r:id="rId9"/>
+    <p:sldId id="302" r:id="rId10"/>
+    <p:sldId id="303" r:id="rId11"/>
+    <p:sldId id="304" r:id="rId12"/>
+    <p:sldId id="305" r:id="rId13"/>
+    <p:sldId id="306" r:id="rId14"/>
+    <p:sldId id="307" r:id="rId15"/>
+    <p:sldId id="297" r:id="rId16"/>
+    <p:sldId id="298" r:id="rId17"/>
+    <p:sldId id="299" r:id="rId18"/>
+    <p:sldId id="291" r:id="rId19"/>
   </p:sldIdLst>
   <p:sldSz cx="9144000" cy="6858000" type="screen4x3"/>
   <p:notesSz cx="6858000" cy="9144000"/>
@@ -4890,6 +4891,178 @@
           <a:p>
             <a:r>
               <a:rPr lang="en-CA" dirty="0"/>
+              <a:t>Parallel Implementation: DWORD WINAPI</a:t>
+            </a:r>
+          </a:p>
+        </p:txBody>
+      </p:sp>
+      <p:sp>
+        <p:nvSpPr>
+          <p:cNvPr id="9" name="Rectangle 1"/>
+          <p:cNvSpPr>
+            <a:spLocks noChangeArrowheads="1"/>
+          </p:cNvSpPr>
+          <p:nvPr/>
+        </p:nvSpPr>
+        <p:spPr bwMode="auto">
+          <a:xfrm>
+            <a:off x="1" y="741835"/>
+            <a:ext cx="138564" cy="230832"/>
+          </a:xfrm>
+          <a:prstGeom prst="rect">
+            <a:avLst/>
+          </a:prstGeom>
+          <a:noFill/>
+          <a:ln>
+            <a:noFill/>
+          </a:ln>
+          <a:effectLst/>
+          <a:extLst>
+            <a:ext uri="{909E8E84-426E-40DD-AFC4-6F175D3DCCD1}">
+              <a14:hiddenFill xmlns:a14="http://schemas.microsoft.com/office/drawing/2010/main">
+                <a:solidFill>
+                  <a:schemeClr val="accent1"/>
+                </a:solidFill>
+              </a14:hiddenFill>
+            </a:ext>
+            <a:ext uri="{91240B29-F687-4F45-9708-019B960494DF}">
+              <a14:hiddenLine xmlns:a14="http://schemas.microsoft.com/office/drawing/2010/main" w="9525">
+                <a:solidFill>
+                  <a:schemeClr val="tx1"/>
+                </a:solidFill>
+                <a:miter lim="800000"/>
+                <a:headEnd/>
+                <a:tailEnd/>
+              </a14:hiddenLine>
+            </a:ext>
+            <a:ext uri="{AF507438-7753-43E0-B8FC-AC1667EBCBE1}">
+              <a14:hiddenEffects xmlns:a14="http://schemas.microsoft.com/office/drawing/2010/main">
+                <a:effectLst>
+                  <a:outerShdw dist="35921" dir="2700000" algn="ctr" rotWithShape="0">
+                    <a:schemeClr val="bg2"/>
+                  </a:outerShdw>
+                </a:effectLst>
+              </a14:hiddenEffects>
+            </a:ext>
+          </a:extLst>
+        </p:spPr>
+        <p:txBody>
+          <a:bodyPr vert="horz" wrap="none" lIns="68580" tIns="34290" rIns="68580" bIns="34290" numCol="1" anchor="ctr" anchorCtr="0" compatLnSpc="1">
+            <a:prstTxWarp prst="textNoShape">
+              <a:avLst/>
+            </a:prstTxWarp>
+            <a:spAutoFit/>
+          </a:bodyPr>
+          <a:lstStyle/>
+          <a:p>
+            <a:endParaRPr lang="en-CA" sz="1050"/>
+          </a:p>
+        </p:txBody>
+      </p:sp>
+      <p:pic>
+        <p:nvPicPr>
+          <p:cNvPr id="10" name="Picture 9"/>
+          <p:cNvPicPr>
+            <a:picLocks noChangeAspect="1"/>
+          </p:cNvPicPr>
+          <p:nvPr/>
+        </p:nvPicPr>
+        <p:blipFill>
+          <a:blip r:embed="rId2"/>
+          <a:stretch>
+            <a:fillRect/>
+          </a:stretch>
+        </p:blipFill>
+        <p:spPr>
+          <a:xfrm>
+            <a:off x="373800" y="2595154"/>
+            <a:ext cx="8533262" cy="2349187"/>
+          </a:xfrm>
+          <a:prstGeom prst="rect">
+            <a:avLst/>
+          </a:prstGeom>
+        </p:spPr>
+      </p:pic>
+      <p:sp>
+        <p:nvSpPr>
+          <p:cNvPr id="11" name="TextBox 10"/>
+          <p:cNvSpPr txBox="1"/>
+          <p:nvPr/>
+        </p:nvSpPr>
+        <p:spPr>
+          <a:xfrm>
+            <a:off x="457200" y="1447609"/>
+            <a:ext cx="8001000" cy="400110"/>
+          </a:xfrm>
+          <a:prstGeom prst="rect">
+            <a:avLst/>
+          </a:prstGeom>
+          <a:noFill/>
+        </p:spPr>
+        <p:txBody>
+          <a:bodyPr wrap="square" rtlCol="0">
+            <a:spAutoFit/>
+          </a:bodyPr>
+          <a:lstStyle/>
+          <a:p>
+            <a:pPr marL="214313" indent="-214313">
+              <a:buFont typeface="Arial" panose="020B0604020202020204" pitchFamily="34" charset="0"/>
+              <a:buChar char="•"/>
+            </a:pPr>
+            <a:r>
+              <a:rPr lang="en-CA" sz="2000" dirty="0"/>
+              <a:t>Parallel both camera image processing</a:t>
+            </a:r>
+          </a:p>
+        </p:txBody>
+      </p:sp>
+    </p:spTree>
+    <p:extLst>
+      <p:ext uri="{BB962C8B-B14F-4D97-AF65-F5344CB8AC3E}">
+        <p14:creationId xmlns:p14="http://schemas.microsoft.com/office/powerpoint/2010/main" val="2549859183"/>
+      </p:ext>
+    </p:extLst>
+  </p:cSld>
+  <p:clrMapOvr>
+    <a:masterClrMapping/>
+  </p:clrMapOvr>
+</p:sld>
+</file>
+
+<file path=ppt/slides/slide11.xml><?xml version="1.0" encoding="utf-8"?>
+<p:sld xmlns:a="http://schemas.openxmlformats.org/drawingml/2006/main" xmlns:r="http://schemas.openxmlformats.org/officeDocument/2006/relationships" xmlns:p="http://schemas.openxmlformats.org/presentationml/2006/main">
+  <p:cSld>
+    <p:spTree>
+      <p:nvGrpSpPr>
+        <p:cNvPr id="1" name=""/>
+        <p:cNvGrpSpPr/>
+        <p:nvPr/>
+      </p:nvGrpSpPr>
+      <p:grpSpPr>
+        <a:xfrm>
+          <a:off x="0" y="0"/>
+          <a:ext cx="0" cy="0"/>
+          <a:chOff x="0" y="0"/>
+          <a:chExt cx="0" cy="0"/>
+        </a:xfrm>
+      </p:grpSpPr>
+      <p:sp>
+        <p:nvSpPr>
+          <p:cNvPr id="2" name="Title 1"/>
+          <p:cNvSpPr>
+            <a:spLocks noGrp="1"/>
+          </p:cNvSpPr>
+          <p:nvPr>
+            <p:ph type="title"/>
+          </p:nvPr>
+        </p:nvSpPr>
+        <p:spPr/>
+        <p:txBody>
+          <a:bodyPr/>
+          <a:lstStyle/>
+          <a:p>
+            <a:r>
+              <a:rPr lang="en-CA" dirty="0"/>
               <a:t>Parallel Implementation: STD:THREAD</a:t>
             </a:r>
           </a:p>
@@ -5028,7 +5201,7 @@
 </p:sld>
 </file>
 
-<file path=ppt/slides/slide11.xml><?xml version="1.0" encoding="utf-8"?>
+<file path=ppt/slides/slide12.xml><?xml version="1.0" encoding="utf-8"?>
 <p:sld xmlns:a="http://schemas.openxmlformats.org/drawingml/2006/main" xmlns:r="http://schemas.openxmlformats.org/officeDocument/2006/relationships" xmlns:p="http://schemas.openxmlformats.org/presentationml/2006/main">
   <p:cSld>
     <p:spTree>
@@ -5141,7 +5314,7 @@
 </p:sld>
 </file>
 
-<file path=ppt/slides/slide12.xml><?xml version="1.0" encoding="utf-8"?>
+<file path=ppt/slides/slide13.xml><?xml version="1.0" encoding="utf-8"?>
 <p:sld xmlns:a="http://schemas.openxmlformats.org/drawingml/2006/main" xmlns:r="http://schemas.openxmlformats.org/officeDocument/2006/relationships" xmlns:p="http://schemas.openxmlformats.org/presentationml/2006/main">
   <p:cSld>
     <p:spTree>
@@ -5252,7 +5425,7 @@
 </p:sld>
 </file>
 
-<file path=ppt/slides/slide13.xml><?xml version="1.0" encoding="utf-8"?>
+<file path=ppt/slides/slide14.xml><?xml version="1.0" encoding="utf-8"?>
 <p:sld xmlns:a="http://schemas.openxmlformats.org/drawingml/2006/main" xmlns:r="http://schemas.openxmlformats.org/officeDocument/2006/relationships" xmlns:p="http://schemas.openxmlformats.org/presentationml/2006/main">
   <p:cSld>
     <p:spTree>
@@ -5368,282 +5541,6 @@
 </p:sld>
 </file>
 
-<file path=ppt/slides/slide14.xml><?xml version="1.0" encoding="utf-8"?>
-<p:sld xmlns:a="http://schemas.openxmlformats.org/drawingml/2006/main" xmlns:r="http://schemas.openxmlformats.org/officeDocument/2006/relationships" xmlns:p="http://schemas.openxmlformats.org/presentationml/2006/main">
-  <p:cSld>
-    <p:spTree>
-      <p:nvGrpSpPr>
-        <p:cNvPr id="1" name=""/>
-        <p:cNvGrpSpPr/>
-        <p:nvPr/>
-      </p:nvGrpSpPr>
-      <p:grpSpPr>
-        <a:xfrm>
-          <a:off x="0" y="0"/>
-          <a:ext cx="0" cy="0"/>
-          <a:chOff x="0" y="0"/>
-          <a:chExt cx="0" cy="0"/>
-        </a:xfrm>
-      </p:grpSpPr>
-      <p:sp>
-        <p:nvSpPr>
-          <p:cNvPr id="5" name="Shape 57"/>
-          <p:cNvSpPr txBox="1">
-            <a:spLocks noGrp="1"/>
-          </p:cNvSpPr>
-          <p:nvPr>
-            <p:ph type="title"/>
-          </p:nvPr>
-        </p:nvSpPr>
-        <p:spPr>
-          <a:xfrm>
-            <a:off x="311700" y="458266"/>
-            <a:ext cx="8520600" cy="763500"/>
-          </a:xfrm>
-          <a:prstGeom prst="rect">
-            <a:avLst/>
-          </a:prstGeom>
-        </p:spPr>
-        <p:txBody>
-          <a:bodyPr lIns="91425" tIns="91425" rIns="91425" bIns="91425" anchor="t" anchorCtr="0">
-            <a:noAutofit/>
-          </a:bodyPr>
-          <a:lstStyle/>
-          <a:p>
-            <a:pPr lvl="0">
-              <a:spcBef>
-                <a:spcPts val="0"/>
-              </a:spcBef>
-              <a:buNone/>
-            </a:pPr>
-            <a:r>
-              <a:rPr lang="en-US" sz="3600" dirty="0">
-                <a:latin typeface="Calibri"/>
-                <a:ea typeface="Calibri"/>
-                <a:cs typeface="Calibri"/>
-                <a:sym typeface="Calibri"/>
-              </a:rPr>
-              <a:t>Conclusions</a:t>
-            </a:r>
-            <a:endParaRPr lang="en" sz="3600" dirty="0">
-              <a:latin typeface="Calibri"/>
-              <a:ea typeface="Calibri"/>
-              <a:cs typeface="Calibri"/>
-              <a:sym typeface="Calibri"/>
-            </a:endParaRPr>
-          </a:p>
-        </p:txBody>
-      </p:sp>
-      <p:sp>
-        <p:nvSpPr>
-          <p:cNvPr id="6" name="Shape 58"/>
-          <p:cNvSpPr txBox="1">
-            <a:spLocks noGrp="1"/>
-          </p:cNvSpPr>
-          <p:nvPr>
-            <p:ph type="body" idx="1"/>
-          </p:nvPr>
-        </p:nvSpPr>
-        <p:spPr>
-          <a:xfrm>
-            <a:off x="311699" y="1323977"/>
-            <a:ext cx="8187119" cy="4578716"/>
-          </a:xfrm>
-          <a:prstGeom prst="rect">
-            <a:avLst/>
-          </a:prstGeom>
-        </p:spPr>
-        <p:txBody>
-          <a:bodyPr lIns="91425" tIns="91425" rIns="91425" bIns="91425" anchor="t" anchorCtr="0">
-            <a:noAutofit/>
-          </a:bodyPr>
-          <a:lstStyle/>
-          <a:p>
-            <a:pPr indent="-342900"/>
-            <a:r>
-              <a:rPr lang="en-US" sz="2600" dirty="0">
-                <a:latin typeface="Calibri"/>
-                <a:ea typeface="Calibri"/>
-                <a:cs typeface="Calibri"/>
-                <a:sym typeface="Calibri"/>
-              </a:rPr>
-              <a:t>We parallelized the calls to </a:t>
-            </a:r>
-            <a:r>
-              <a:rPr lang="en-US" sz="2600" dirty="0" err="1">
-                <a:latin typeface="Calibri"/>
-                <a:ea typeface="Calibri"/>
-                <a:cs typeface="Calibri"/>
-                <a:sym typeface="Calibri"/>
-              </a:rPr>
-              <a:t>OpenCV</a:t>
-            </a:r>
-            <a:r>
-              <a:rPr lang="en-US" sz="2600" dirty="0">
-                <a:latin typeface="Calibri"/>
-                <a:ea typeface="Calibri"/>
-                <a:cs typeface="Calibri"/>
-                <a:sym typeface="Calibri"/>
-              </a:rPr>
-              <a:t> for image capture and processing</a:t>
-            </a:r>
-          </a:p>
-          <a:p>
-            <a:pPr lvl="1" indent="-342900"/>
-            <a:r>
-              <a:rPr lang="en-US" sz="1800" dirty="0">
-                <a:solidFill>
-                  <a:srgbClr val="002E64"/>
-                </a:solidFill>
-                <a:latin typeface="Calibri"/>
-                <a:ea typeface="Calibri"/>
-                <a:cs typeface="Calibri"/>
-                <a:sym typeface="Calibri"/>
-              </a:rPr>
-              <a:t>1.4x speedup with 2 threads calling </a:t>
-            </a:r>
-            <a:r>
-              <a:rPr lang="en-US" sz="1800" dirty="0" err="1">
-                <a:solidFill>
-                  <a:srgbClr val="002E64"/>
-                </a:solidFill>
-                <a:latin typeface="Calibri"/>
-                <a:ea typeface="Calibri"/>
-                <a:cs typeface="Calibri"/>
-                <a:sym typeface="Calibri"/>
-              </a:rPr>
-              <a:t>OpenCV</a:t>
-            </a:r>
-            <a:r>
-              <a:rPr lang="en-US" sz="1800" dirty="0">
-                <a:solidFill>
-                  <a:srgbClr val="002E64"/>
-                </a:solidFill>
-                <a:latin typeface="Calibri"/>
-                <a:ea typeface="Calibri"/>
-                <a:cs typeface="Calibri"/>
-                <a:sym typeface="Calibri"/>
-              </a:rPr>
-              <a:t> (one per camera) and 1 thread doing 3D positioning</a:t>
-            </a:r>
-          </a:p>
-          <a:p>
-            <a:pPr lvl="1" indent="-342900"/>
-            <a:r>
-              <a:rPr lang="en-US" sz="1800" dirty="0">
-                <a:solidFill>
-                  <a:srgbClr val="002E64"/>
-                </a:solidFill>
-                <a:latin typeface="Calibri"/>
-                <a:ea typeface="Calibri"/>
-                <a:cs typeface="Calibri"/>
-                <a:sym typeface="Calibri"/>
-              </a:rPr>
-              <a:t>1.8x speedup with 4 threads calling </a:t>
-            </a:r>
-            <a:r>
-              <a:rPr lang="en-US" sz="1800" dirty="0" err="1">
-                <a:solidFill>
-                  <a:srgbClr val="002E64"/>
-                </a:solidFill>
-                <a:latin typeface="Calibri"/>
-                <a:ea typeface="Calibri"/>
-                <a:cs typeface="Calibri"/>
-                <a:sym typeface="Calibri"/>
-              </a:rPr>
-              <a:t>OpenCV</a:t>
-            </a:r>
-            <a:r>
-              <a:rPr lang="en-US" sz="1800" dirty="0">
-                <a:solidFill>
-                  <a:srgbClr val="002E64"/>
-                </a:solidFill>
-                <a:latin typeface="Calibri"/>
-                <a:ea typeface="Calibri"/>
-                <a:cs typeface="Calibri"/>
-                <a:sym typeface="Calibri"/>
-              </a:rPr>
-              <a:t> (one per camera, per operation) and 1 thread doing 3D positioning</a:t>
-            </a:r>
-          </a:p>
-          <a:p>
-            <a:pPr indent="-342900"/>
-            <a:r>
-              <a:rPr lang="en-US" sz="2000" dirty="0">
-                <a:solidFill>
-                  <a:srgbClr val="002E64"/>
-                </a:solidFill>
-                <a:latin typeface="Calibri"/>
-                <a:ea typeface="Calibri"/>
-                <a:cs typeface="Calibri"/>
-                <a:sym typeface="Calibri"/>
-              </a:rPr>
-              <a:t>On a 2-core Intel CPU, we want a theoretical speedup of 2x</a:t>
-            </a:r>
-          </a:p>
-          <a:p>
-            <a:pPr lvl="1" indent="-342900"/>
-            <a:r>
-              <a:rPr lang="en-US" sz="1800" dirty="0">
-                <a:solidFill>
-                  <a:srgbClr val="002E64"/>
-                </a:solidFill>
-                <a:latin typeface="Calibri"/>
-                <a:ea typeface="Calibri"/>
-                <a:cs typeface="Calibri"/>
-                <a:sym typeface="Calibri"/>
-              </a:rPr>
-              <a:t>1.8x speedup with 5 threads shows that the nature of stereo positioning workload creates an imbalance between the threads</a:t>
-            </a:r>
-          </a:p>
-          <a:p>
-            <a:pPr lvl="1" indent="-342900"/>
-            <a:r>
-              <a:rPr lang="en-US" sz="1800" dirty="0">
-                <a:solidFill>
-                  <a:srgbClr val="002E64"/>
-                </a:solidFill>
-                <a:latin typeface="Calibri"/>
-                <a:ea typeface="Calibri"/>
-                <a:cs typeface="Calibri"/>
-                <a:sym typeface="Calibri"/>
-              </a:rPr>
-              <a:t>However, it was easier and more effective to spawn another thread instead of trying to alter the algorithm to balance the workloads</a:t>
-            </a:r>
-          </a:p>
-          <a:p>
-            <a:pPr lvl="1" indent="-342900"/>
-            <a:endParaRPr lang="en-US" sz="2400" dirty="0">
-              <a:latin typeface="Calibri"/>
-              <a:ea typeface="Calibri"/>
-              <a:cs typeface="Calibri"/>
-              <a:sym typeface="Calibri"/>
-            </a:endParaRPr>
-          </a:p>
-          <a:p>
-            <a:pPr indent="-342900"/>
-            <a:endParaRPr lang="en-US" sz="2600" dirty="0">
-              <a:latin typeface="Calibri"/>
-              <a:ea typeface="Calibri"/>
-              <a:cs typeface="Calibri"/>
-              <a:sym typeface="Calibri"/>
-            </a:endParaRPr>
-          </a:p>
-        </p:txBody>
-      </p:sp>
-    </p:spTree>
-    <p:extLst>
-      <p:ext uri="{BB962C8B-B14F-4D97-AF65-F5344CB8AC3E}">
-        <p14:creationId xmlns:p14="http://schemas.microsoft.com/office/powerpoint/2010/main" val="1270916423"/>
-      </p:ext>
-    </p:extLst>
-  </p:cSld>
-  <p:clrMapOvr>
-    <a:masterClrMapping/>
-  </p:clrMapOvr>
-</p:sld>
-</file>
-
 <file path=ppt/slides/slide15.xml><?xml version="1.0" encoding="utf-8"?>
 <p:sld xmlns:a="http://schemas.openxmlformats.org/drawingml/2006/main" xmlns:r="http://schemas.openxmlformats.org/officeDocument/2006/relationships" xmlns:p="http://schemas.openxmlformats.org/presentationml/2006/main">
   <p:cSld>
@@ -5699,7 +5596,7 @@
                 <a:cs typeface="Calibri"/>
                 <a:sym typeface="Calibri"/>
               </a:rPr>
-              <a:t>Future work</a:t>
+              <a:t>Conclusions</a:t>
             </a:r>
             <a:endParaRPr lang="en" sz="3600" dirty="0">
               <a:latin typeface="Calibri"/>
@@ -5743,37 +5640,31 @@
                 <a:cs typeface="Calibri"/>
                 <a:sym typeface="Calibri"/>
               </a:rPr>
-              <a:t>Camera Calibration</a:t>
-            </a:r>
-          </a:p>
-          <a:p>
-            <a:pPr lvl="1" indent="-342900"/>
-            <a:r>
-              <a:rPr lang="en-US" sz="2400" dirty="0">
-                <a:solidFill>
-                  <a:srgbClr val="002E64"/>
-                </a:solidFill>
+              <a:t>We parallelized the calls to </a:t>
+            </a:r>
+            <a:r>
+              <a:rPr lang="en-US" sz="2600" dirty="0" err="1">
                 <a:latin typeface="Calibri"/>
                 <a:ea typeface="Calibri"/>
                 <a:cs typeface="Calibri"/>
                 <a:sym typeface="Calibri"/>
               </a:rPr>
-              <a:t>Again, capture camera feed with </a:t>
-            </a:r>
-            <a:r>
-              <a:rPr lang="en-US" sz="2400" dirty="0" err="1">
-                <a:solidFill>
-                  <a:srgbClr val="002E64"/>
-                </a:solidFill>
+              <a:t>OpenCV</a:t>
+            </a:r>
+            <a:r>
+              <a:rPr lang="en-US" sz="2600" dirty="0">
                 <a:latin typeface="Calibri"/>
                 <a:ea typeface="Calibri"/>
                 <a:cs typeface="Calibri"/>
                 <a:sym typeface="Calibri"/>
               </a:rPr>
-              <a:t>OpenCV</a:t>
-            </a:r>
-            <a:r>
-              <a:rPr lang="en-US" sz="2400" dirty="0">
+              <a:t> for image capture and processing</a:t>
+            </a:r>
+          </a:p>
+          <a:p>
+            <a:pPr lvl="1" indent="-342900"/>
+            <a:r>
+              <a:rPr lang="en-US" sz="1800" dirty="0">
                 <a:solidFill>
                   <a:srgbClr val="002E64"/>
                 </a:solidFill>
@@ -5782,13 +5673,10 @@
                 <a:cs typeface="Calibri"/>
                 <a:sym typeface="Calibri"/>
               </a:rPr>
-              <a:t>, but additionally parallelize calculation of error correction matrix</a:t>
-            </a:r>
-          </a:p>
-          <a:p>
-            <a:pPr lvl="1" indent="-342900"/>
-            <a:r>
-              <a:rPr lang="en-US" sz="2400" dirty="0">
+              <a:t>1.4x speedup with 2 threads calling </a:t>
+            </a:r>
+            <a:r>
+              <a:rPr lang="en-US" sz="1800" dirty="0" err="1">
                 <a:solidFill>
                   <a:srgbClr val="002E64"/>
                 </a:solidFill>
@@ -5797,13 +5685,10 @@
                 <a:cs typeface="Calibri"/>
                 <a:sym typeface="Calibri"/>
               </a:rPr>
-              <a:t>Error correction derived from capture set of test images</a:t>
-            </a:r>
-          </a:p>
-          <a:p>
-            <a:pPr lvl="1" indent="-342900"/>
-            <a:r>
-              <a:rPr lang="en-US" sz="2400" dirty="0">
+              <a:t>OpenCV</a:t>
+            </a:r>
+            <a:r>
+              <a:rPr lang="en-US" sz="1800" dirty="0">
                 <a:solidFill>
                   <a:srgbClr val="002E64"/>
                 </a:solidFill>
@@ -5812,8 +5697,95 @@
                 <a:cs typeface="Calibri"/>
                 <a:sym typeface="Calibri"/>
               </a:rPr>
-              <a:t>Compensate for unique lens distortion of stereo camera hardware</a:t>
-            </a:r>
+              <a:t> (one per camera) and 1 thread doing 3D positioning</a:t>
+            </a:r>
+          </a:p>
+          <a:p>
+            <a:pPr lvl="1" indent="-342900"/>
+            <a:r>
+              <a:rPr lang="en-US" sz="1800" dirty="0">
+                <a:solidFill>
+                  <a:srgbClr val="002E64"/>
+                </a:solidFill>
+                <a:latin typeface="Calibri"/>
+                <a:ea typeface="Calibri"/>
+                <a:cs typeface="Calibri"/>
+                <a:sym typeface="Calibri"/>
+              </a:rPr>
+              <a:t>1.8x speedup with 4 threads calling </a:t>
+            </a:r>
+            <a:r>
+              <a:rPr lang="en-US" sz="1800" dirty="0" err="1">
+                <a:solidFill>
+                  <a:srgbClr val="002E64"/>
+                </a:solidFill>
+                <a:latin typeface="Calibri"/>
+                <a:ea typeface="Calibri"/>
+                <a:cs typeface="Calibri"/>
+                <a:sym typeface="Calibri"/>
+              </a:rPr>
+              <a:t>OpenCV</a:t>
+            </a:r>
+            <a:r>
+              <a:rPr lang="en-US" sz="1800" dirty="0">
+                <a:solidFill>
+                  <a:srgbClr val="002E64"/>
+                </a:solidFill>
+                <a:latin typeface="Calibri"/>
+                <a:ea typeface="Calibri"/>
+                <a:cs typeface="Calibri"/>
+                <a:sym typeface="Calibri"/>
+              </a:rPr>
+              <a:t> (one per camera, per operation) and 1 thread doing 3D positioning</a:t>
+            </a:r>
+          </a:p>
+          <a:p>
+            <a:pPr indent="-342900"/>
+            <a:r>
+              <a:rPr lang="en-US" sz="2000" dirty="0">
+                <a:solidFill>
+                  <a:srgbClr val="002E64"/>
+                </a:solidFill>
+                <a:latin typeface="Calibri"/>
+                <a:ea typeface="Calibri"/>
+                <a:cs typeface="Calibri"/>
+                <a:sym typeface="Calibri"/>
+              </a:rPr>
+              <a:t>On a 2-core Intel CPU, we want a theoretical speedup of 2x</a:t>
+            </a:r>
+          </a:p>
+          <a:p>
+            <a:pPr lvl="1" indent="-342900"/>
+            <a:r>
+              <a:rPr lang="en-US" sz="1800" dirty="0">
+                <a:solidFill>
+                  <a:srgbClr val="002E64"/>
+                </a:solidFill>
+                <a:latin typeface="Calibri"/>
+                <a:ea typeface="Calibri"/>
+                <a:cs typeface="Calibri"/>
+                <a:sym typeface="Calibri"/>
+              </a:rPr>
+              <a:t>1.8x speedup with 5 threads shows that the nature of stereo positioning workload creates an imbalance between the threads</a:t>
+            </a:r>
+          </a:p>
+          <a:p>
+            <a:pPr lvl="1" indent="-342900"/>
+            <a:r>
+              <a:rPr lang="en-US" sz="1800" dirty="0">
+                <a:solidFill>
+                  <a:srgbClr val="002E64"/>
+                </a:solidFill>
+                <a:latin typeface="Calibri"/>
+                <a:ea typeface="Calibri"/>
+                <a:cs typeface="Calibri"/>
+                <a:sym typeface="Calibri"/>
+              </a:rPr>
+              <a:t>However, it was easier and more effective to spawn another thread instead of trying to alter the algorithm to balance the workloads</a:t>
+            </a:r>
+          </a:p>
+          <a:p>
+            <a:pPr lvl="1" indent="-342900"/>
             <a:endParaRPr lang="en-US" sz="2400" dirty="0">
               <a:latin typeface="Calibri"/>
               <a:ea typeface="Calibri"/>
@@ -5832,51 +5804,10 @@
           </a:p>
         </p:txBody>
       </p:sp>
-      <p:pic>
-        <p:nvPicPr>
-          <p:cNvPr id="1026" name="Picture 2" descr="A found chessboard"/>
-          <p:cNvPicPr>
-            <a:picLocks noChangeAspect="1" noChangeArrowheads="1"/>
-          </p:cNvPicPr>
-          <p:nvPr/>
-        </p:nvPicPr>
-        <p:blipFill>
-          <a:blip r:embed="rId2">
-            <a:extLst>
-              <a:ext uri="{28A0092B-C50C-407E-A947-70E740481C1C}">
-                <a14:useLocalDpi xmlns:a14="http://schemas.microsoft.com/office/drawing/2010/main" val="0"/>
-              </a:ext>
-            </a:extLst>
-          </a:blip>
-          <a:srcRect/>
-          <a:stretch>
-            <a:fillRect/>
-          </a:stretch>
-        </p:blipFill>
-        <p:spPr bwMode="auto">
-          <a:xfrm>
-            <a:off x="4436072" y="3299255"/>
-            <a:ext cx="3810000" cy="2857500"/>
-          </a:xfrm>
-          <a:prstGeom prst="rect">
-            <a:avLst/>
-          </a:prstGeom>
-          <a:noFill/>
-          <a:extLst>
-            <a:ext uri="{909E8E84-426E-40DD-AFC4-6F175D3DCCD1}">
-              <a14:hiddenFill xmlns:a14="http://schemas.microsoft.com/office/drawing/2010/main">
-                <a:solidFill>
-                  <a:srgbClr val="FFFFFF"/>
-                </a:solidFill>
-              </a14:hiddenFill>
-            </a:ext>
-          </a:extLst>
-        </p:spPr>
-      </p:pic>
     </p:spTree>
     <p:extLst>
       <p:ext uri="{BB962C8B-B14F-4D97-AF65-F5344CB8AC3E}">
-        <p14:creationId xmlns:p14="http://schemas.microsoft.com/office/powerpoint/2010/main" val="2553176661"/>
+        <p14:creationId xmlns:p14="http://schemas.microsoft.com/office/powerpoint/2010/main" val="1270916423"/>
       </p:ext>
     </p:extLst>
   </p:cSld>
@@ -5985,6 +5916,248 @@
                 <a:cs typeface="Calibri"/>
                 <a:sym typeface="Calibri"/>
               </a:rPr>
+              <a:t>Camera Calibration</a:t>
+            </a:r>
+          </a:p>
+          <a:p>
+            <a:pPr lvl="1" indent="-342900"/>
+            <a:r>
+              <a:rPr lang="en-US" sz="2400" dirty="0">
+                <a:solidFill>
+                  <a:srgbClr val="002E64"/>
+                </a:solidFill>
+                <a:latin typeface="Calibri"/>
+                <a:ea typeface="Calibri"/>
+                <a:cs typeface="Calibri"/>
+                <a:sym typeface="Calibri"/>
+              </a:rPr>
+              <a:t>Again, capture camera feed with </a:t>
+            </a:r>
+            <a:r>
+              <a:rPr lang="en-US" sz="2400" dirty="0" err="1">
+                <a:solidFill>
+                  <a:srgbClr val="002E64"/>
+                </a:solidFill>
+                <a:latin typeface="Calibri"/>
+                <a:ea typeface="Calibri"/>
+                <a:cs typeface="Calibri"/>
+                <a:sym typeface="Calibri"/>
+              </a:rPr>
+              <a:t>OpenCV</a:t>
+            </a:r>
+            <a:r>
+              <a:rPr lang="en-US" sz="2400" dirty="0">
+                <a:solidFill>
+                  <a:srgbClr val="002E64"/>
+                </a:solidFill>
+                <a:latin typeface="Calibri"/>
+                <a:ea typeface="Calibri"/>
+                <a:cs typeface="Calibri"/>
+                <a:sym typeface="Calibri"/>
+              </a:rPr>
+              <a:t>, but additionally parallelize calculation of error correction matrix</a:t>
+            </a:r>
+          </a:p>
+          <a:p>
+            <a:pPr lvl="1" indent="-342900"/>
+            <a:r>
+              <a:rPr lang="en-US" sz="2400" dirty="0">
+                <a:solidFill>
+                  <a:srgbClr val="002E64"/>
+                </a:solidFill>
+                <a:latin typeface="Calibri"/>
+                <a:ea typeface="Calibri"/>
+                <a:cs typeface="Calibri"/>
+                <a:sym typeface="Calibri"/>
+              </a:rPr>
+              <a:t>Error correction derived from capture set of test images</a:t>
+            </a:r>
+          </a:p>
+          <a:p>
+            <a:pPr lvl="1" indent="-342900"/>
+            <a:r>
+              <a:rPr lang="en-US" sz="2400" dirty="0">
+                <a:solidFill>
+                  <a:srgbClr val="002E64"/>
+                </a:solidFill>
+                <a:latin typeface="Calibri"/>
+                <a:ea typeface="Calibri"/>
+                <a:cs typeface="Calibri"/>
+                <a:sym typeface="Calibri"/>
+              </a:rPr>
+              <a:t>Compensate for unique lens distortion of stereo camera hardware</a:t>
+            </a:r>
+            <a:endParaRPr lang="en-US" sz="2400" dirty="0">
+              <a:latin typeface="Calibri"/>
+              <a:ea typeface="Calibri"/>
+              <a:cs typeface="Calibri"/>
+              <a:sym typeface="Calibri"/>
+            </a:endParaRPr>
+          </a:p>
+          <a:p>
+            <a:pPr indent="-342900"/>
+            <a:endParaRPr lang="en-US" sz="2600" dirty="0">
+              <a:latin typeface="Calibri"/>
+              <a:ea typeface="Calibri"/>
+              <a:cs typeface="Calibri"/>
+              <a:sym typeface="Calibri"/>
+            </a:endParaRPr>
+          </a:p>
+        </p:txBody>
+      </p:sp>
+      <p:pic>
+        <p:nvPicPr>
+          <p:cNvPr id="1026" name="Picture 2" descr="A found chessboard"/>
+          <p:cNvPicPr>
+            <a:picLocks noChangeAspect="1" noChangeArrowheads="1"/>
+          </p:cNvPicPr>
+          <p:nvPr/>
+        </p:nvPicPr>
+        <p:blipFill>
+          <a:blip r:embed="rId2">
+            <a:extLst>
+              <a:ext uri="{28A0092B-C50C-407E-A947-70E740481C1C}">
+                <a14:useLocalDpi xmlns:a14="http://schemas.microsoft.com/office/drawing/2010/main" val="0"/>
+              </a:ext>
+            </a:extLst>
+          </a:blip>
+          <a:srcRect/>
+          <a:stretch>
+            <a:fillRect/>
+          </a:stretch>
+        </p:blipFill>
+        <p:spPr bwMode="auto">
+          <a:xfrm>
+            <a:off x="4436072" y="3299255"/>
+            <a:ext cx="3810000" cy="2857500"/>
+          </a:xfrm>
+          <a:prstGeom prst="rect">
+            <a:avLst/>
+          </a:prstGeom>
+          <a:noFill/>
+          <a:extLst>
+            <a:ext uri="{909E8E84-426E-40DD-AFC4-6F175D3DCCD1}">
+              <a14:hiddenFill xmlns:a14="http://schemas.microsoft.com/office/drawing/2010/main">
+                <a:solidFill>
+                  <a:srgbClr val="FFFFFF"/>
+                </a:solidFill>
+              </a14:hiddenFill>
+            </a:ext>
+          </a:extLst>
+        </p:spPr>
+      </p:pic>
+    </p:spTree>
+    <p:extLst>
+      <p:ext uri="{BB962C8B-B14F-4D97-AF65-F5344CB8AC3E}">
+        <p14:creationId xmlns:p14="http://schemas.microsoft.com/office/powerpoint/2010/main" val="2553176661"/>
+      </p:ext>
+    </p:extLst>
+  </p:cSld>
+  <p:clrMapOvr>
+    <a:masterClrMapping/>
+  </p:clrMapOvr>
+</p:sld>
+</file>
+
+<file path=ppt/slides/slide17.xml><?xml version="1.0" encoding="utf-8"?>
+<p:sld xmlns:a="http://schemas.openxmlformats.org/drawingml/2006/main" xmlns:r="http://schemas.openxmlformats.org/officeDocument/2006/relationships" xmlns:p="http://schemas.openxmlformats.org/presentationml/2006/main">
+  <p:cSld>
+    <p:spTree>
+      <p:nvGrpSpPr>
+        <p:cNvPr id="1" name=""/>
+        <p:cNvGrpSpPr/>
+        <p:nvPr/>
+      </p:nvGrpSpPr>
+      <p:grpSpPr>
+        <a:xfrm>
+          <a:off x="0" y="0"/>
+          <a:ext cx="0" cy="0"/>
+          <a:chOff x="0" y="0"/>
+          <a:chExt cx="0" cy="0"/>
+        </a:xfrm>
+      </p:grpSpPr>
+      <p:sp>
+        <p:nvSpPr>
+          <p:cNvPr id="5" name="Shape 57"/>
+          <p:cNvSpPr txBox="1">
+            <a:spLocks noGrp="1"/>
+          </p:cNvSpPr>
+          <p:nvPr>
+            <p:ph type="title"/>
+          </p:nvPr>
+        </p:nvSpPr>
+        <p:spPr>
+          <a:xfrm>
+            <a:off x="311700" y="458266"/>
+            <a:ext cx="8520600" cy="763500"/>
+          </a:xfrm>
+          <a:prstGeom prst="rect">
+            <a:avLst/>
+          </a:prstGeom>
+        </p:spPr>
+        <p:txBody>
+          <a:bodyPr lIns="91425" tIns="91425" rIns="91425" bIns="91425" anchor="t" anchorCtr="0">
+            <a:noAutofit/>
+          </a:bodyPr>
+          <a:lstStyle/>
+          <a:p>
+            <a:pPr lvl="0">
+              <a:spcBef>
+                <a:spcPts val="0"/>
+              </a:spcBef>
+              <a:buNone/>
+            </a:pPr>
+            <a:r>
+              <a:rPr lang="en-US" sz="3600" dirty="0">
+                <a:latin typeface="Calibri"/>
+                <a:ea typeface="Calibri"/>
+                <a:cs typeface="Calibri"/>
+                <a:sym typeface="Calibri"/>
+              </a:rPr>
+              <a:t>Future work</a:t>
+            </a:r>
+            <a:endParaRPr lang="en" sz="3600" dirty="0">
+              <a:latin typeface="Calibri"/>
+              <a:ea typeface="Calibri"/>
+              <a:cs typeface="Calibri"/>
+              <a:sym typeface="Calibri"/>
+            </a:endParaRPr>
+          </a:p>
+        </p:txBody>
+      </p:sp>
+      <p:sp>
+        <p:nvSpPr>
+          <p:cNvPr id="6" name="Shape 58"/>
+          <p:cNvSpPr txBox="1">
+            <a:spLocks noGrp="1"/>
+          </p:cNvSpPr>
+          <p:nvPr>
+            <p:ph type="body" idx="1"/>
+          </p:nvPr>
+        </p:nvSpPr>
+        <p:spPr>
+          <a:xfrm>
+            <a:off x="311699" y="1323977"/>
+            <a:ext cx="8187119" cy="4578716"/>
+          </a:xfrm>
+          <a:prstGeom prst="rect">
+            <a:avLst/>
+          </a:prstGeom>
+        </p:spPr>
+        <p:txBody>
+          <a:bodyPr lIns="91425" tIns="91425" rIns="91425" bIns="91425" anchor="t" anchorCtr="0">
+            <a:noAutofit/>
+          </a:bodyPr>
+          <a:lstStyle/>
+          <a:p>
+            <a:pPr indent="-342900"/>
+            <a:r>
+              <a:rPr lang="en-US" sz="2600" dirty="0">
+                <a:latin typeface="Calibri"/>
+                <a:ea typeface="Calibri"/>
+                <a:cs typeface="Calibri"/>
+                <a:sym typeface="Calibri"/>
+              </a:rPr>
               <a:t>Live camera feed</a:t>
             </a:r>
           </a:p>
@@ -6150,7 +6323,7 @@
 </p:sld>
 </file>
 
-<file path=ppt/slides/slide17.xml><?xml version="1.0" encoding="utf-8"?>
+<file path=ppt/slides/slide18.xml><?xml version="1.0" encoding="utf-8"?>
 <p:sld xmlns:a="http://schemas.openxmlformats.org/drawingml/2006/main" xmlns:r="http://schemas.openxmlformats.org/officeDocument/2006/relationships" xmlns:p="http://schemas.openxmlformats.org/presentationml/2006/main">
   <p:cSld>
     <p:spTree>
@@ -8160,6 +8333,101 @@
           <a:p>
             <a:r>
               <a:rPr lang="en-CA" dirty="0"/>
+              <a:t>Platform Setup</a:t>
+            </a:r>
+          </a:p>
+        </p:txBody>
+      </p:sp>
+      <p:sp>
+        <p:nvSpPr>
+          <p:cNvPr id="3" name="Text Placeholder 2"/>
+          <p:cNvSpPr>
+            <a:spLocks noGrp="1"/>
+          </p:cNvSpPr>
+          <p:nvPr>
+            <p:ph type="body" idx="1"/>
+          </p:nvPr>
+        </p:nvSpPr>
+        <p:spPr/>
+        <p:txBody>
+          <a:bodyPr/>
+          <a:lstStyle/>
+          <a:p>
+            <a:endParaRPr lang="en-CA" dirty="0"/>
+          </a:p>
+        </p:txBody>
+      </p:sp>
+      <p:pic>
+        <p:nvPicPr>
+          <p:cNvPr id="4" name="Picture 3"/>
+          <p:cNvPicPr>
+            <a:picLocks noChangeAspect="1"/>
+          </p:cNvPicPr>
+          <p:nvPr/>
+        </p:nvPicPr>
+        <p:blipFill>
+          <a:blip r:embed="rId2"/>
+          <a:stretch>
+            <a:fillRect/>
+          </a:stretch>
+        </p:blipFill>
+        <p:spPr>
+          <a:xfrm>
+            <a:off x="182880" y="1067888"/>
+            <a:ext cx="8769531" cy="4932861"/>
+          </a:xfrm>
+          <a:prstGeom prst="rect">
+            <a:avLst/>
+          </a:prstGeom>
+        </p:spPr>
+      </p:pic>
+    </p:spTree>
+    <p:extLst>
+      <p:ext uri="{BB962C8B-B14F-4D97-AF65-F5344CB8AC3E}">
+        <p14:creationId xmlns:p14="http://schemas.microsoft.com/office/powerpoint/2010/main" val="2220922382"/>
+      </p:ext>
+    </p:extLst>
+  </p:cSld>
+  <p:clrMapOvr>
+    <a:masterClrMapping/>
+  </p:clrMapOvr>
+</p:sld>
+</file>
+
+<file path=ppt/slides/slide8.xml><?xml version="1.0" encoding="utf-8"?>
+<p:sld xmlns:a="http://schemas.openxmlformats.org/drawingml/2006/main" xmlns:r="http://schemas.openxmlformats.org/officeDocument/2006/relationships" xmlns:p="http://schemas.openxmlformats.org/presentationml/2006/main">
+  <p:cSld>
+    <p:spTree>
+      <p:nvGrpSpPr>
+        <p:cNvPr id="1" name=""/>
+        <p:cNvGrpSpPr/>
+        <p:nvPr/>
+      </p:nvGrpSpPr>
+      <p:grpSpPr>
+        <a:xfrm>
+          <a:off x="0" y="0"/>
+          <a:ext cx="0" cy="0"/>
+          <a:chOff x="0" y="0"/>
+          <a:chExt cx="0" cy="0"/>
+        </a:xfrm>
+      </p:grpSpPr>
+      <p:sp>
+        <p:nvSpPr>
+          <p:cNvPr id="2" name="Title 1"/>
+          <p:cNvSpPr>
+            <a:spLocks noGrp="1"/>
+          </p:cNvSpPr>
+          <p:nvPr>
+            <p:ph type="title"/>
+          </p:nvPr>
+        </p:nvSpPr>
+        <p:spPr/>
+        <p:txBody>
+          <a:bodyPr/>
+          <a:lstStyle/>
+          <a:p>
+            <a:r>
+              <a:rPr lang="en-CA" dirty="0"/>
               <a:t>Basic OpenCV operation(Related Work)</a:t>
             </a:r>
           </a:p>
@@ -8267,7 +8535,7 @@
 </p:sld>
 </file>
 
-<file path=ppt/slides/slide8.xml><?xml version="1.0" encoding="utf-8"?>
+<file path=ppt/slides/slide9.xml><?xml version="1.0" encoding="utf-8"?>
 <p:sld xmlns:a="http://schemas.openxmlformats.org/drawingml/2006/main" xmlns:r="http://schemas.openxmlformats.org/officeDocument/2006/relationships" xmlns:p="http://schemas.openxmlformats.org/presentationml/2006/main">
   <p:cSld>
     <p:spTree>
@@ -8336,178 +8604,6 @@
     <p:extLst>
       <p:ext uri="{BB962C8B-B14F-4D97-AF65-F5344CB8AC3E}">
         <p14:creationId xmlns:p14="http://schemas.microsoft.com/office/powerpoint/2010/main" val="1081240630"/>
-      </p:ext>
-    </p:extLst>
-  </p:cSld>
-  <p:clrMapOvr>
-    <a:masterClrMapping/>
-  </p:clrMapOvr>
-</p:sld>
-</file>
-
-<file path=ppt/slides/slide9.xml><?xml version="1.0" encoding="utf-8"?>
-<p:sld xmlns:a="http://schemas.openxmlformats.org/drawingml/2006/main" xmlns:r="http://schemas.openxmlformats.org/officeDocument/2006/relationships" xmlns:p="http://schemas.openxmlformats.org/presentationml/2006/main">
-  <p:cSld>
-    <p:spTree>
-      <p:nvGrpSpPr>
-        <p:cNvPr id="1" name=""/>
-        <p:cNvGrpSpPr/>
-        <p:nvPr/>
-      </p:nvGrpSpPr>
-      <p:grpSpPr>
-        <a:xfrm>
-          <a:off x="0" y="0"/>
-          <a:ext cx="0" cy="0"/>
-          <a:chOff x="0" y="0"/>
-          <a:chExt cx="0" cy="0"/>
-        </a:xfrm>
-      </p:grpSpPr>
-      <p:sp>
-        <p:nvSpPr>
-          <p:cNvPr id="2" name="Title 1"/>
-          <p:cNvSpPr>
-            <a:spLocks noGrp="1"/>
-          </p:cNvSpPr>
-          <p:nvPr>
-            <p:ph type="title"/>
-          </p:nvPr>
-        </p:nvSpPr>
-        <p:spPr/>
-        <p:txBody>
-          <a:bodyPr/>
-          <a:lstStyle/>
-          <a:p>
-            <a:r>
-              <a:rPr lang="en-CA" dirty="0"/>
-              <a:t>Parallel Implementation: DWORD WINAPI</a:t>
-            </a:r>
-          </a:p>
-        </p:txBody>
-      </p:sp>
-      <p:sp>
-        <p:nvSpPr>
-          <p:cNvPr id="9" name="Rectangle 1"/>
-          <p:cNvSpPr>
-            <a:spLocks noChangeArrowheads="1"/>
-          </p:cNvSpPr>
-          <p:nvPr/>
-        </p:nvSpPr>
-        <p:spPr bwMode="auto">
-          <a:xfrm>
-            <a:off x="1" y="741835"/>
-            <a:ext cx="138564" cy="230832"/>
-          </a:xfrm>
-          <a:prstGeom prst="rect">
-            <a:avLst/>
-          </a:prstGeom>
-          <a:noFill/>
-          <a:ln>
-            <a:noFill/>
-          </a:ln>
-          <a:effectLst/>
-          <a:extLst>
-            <a:ext uri="{909E8E84-426E-40DD-AFC4-6F175D3DCCD1}">
-              <a14:hiddenFill xmlns:a14="http://schemas.microsoft.com/office/drawing/2010/main">
-                <a:solidFill>
-                  <a:schemeClr val="accent1"/>
-                </a:solidFill>
-              </a14:hiddenFill>
-            </a:ext>
-            <a:ext uri="{91240B29-F687-4F45-9708-019B960494DF}">
-              <a14:hiddenLine xmlns:a14="http://schemas.microsoft.com/office/drawing/2010/main" w="9525">
-                <a:solidFill>
-                  <a:schemeClr val="tx1"/>
-                </a:solidFill>
-                <a:miter lim="800000"/>
-                <a:headEnd/>
-                <a:tailEnd/>
-              </a14:hiddenLine>
-            </a:ext>
-            <a:ext uri="{AF507438-7753-43E0-B8FC-AC1667EBCBE1}">
-              <a14:hiddenEffects xmlns:a14="http://schemas.microsoft.com/office/drawing/2010/main">
-                <a:effectLst>
-                  <a:outerShdw dist="35921" dir="2700000" algn="ctr" rotWithShape="0">
-                    <a:schemeClr val="bg2"/>
-                  </a:outerShdw>
-                </a:effectLst>
-              </a14:hiddenEffects>
-            </a:ext>
-          </a:extLst>
-        </p:spPr>
-        <p:txBody>
-          <a:bodyPr vert="horz" wrap="none" lIns="68580" tIns="34290" rIns="68580" bIns="34290" numCol="1" anchor="ctr" anchorCtr="0" compatLnSpc="1">
-            <a:prstTxWarp prst="textNoShape">
-              <a:avLst/>
-            </a:prstTxWarp>
-            <a:spAutoFit/>
-          </a:bodyPr>
-          <a:lstStyle/>
-          <a:p>
-            <a:endParaRPr lang="en-CA" sz="1050"/>
-          </a:p>
-        </p:txBody>
-      </p:sp>
-      <p:pic>
-        <p:nvPicPr>
-          <p:cNvPr id="10" name="Picture 9"/>
-          <p:cNvPicPr>
-            <a:picLocks noChangeAspect="1"/>
-          </p:cNvPicPr>
-          <p:nvPr/>
-        </p:nvPicPr>
-        <p:blipFill>
-          <a:blip r:embed="rId2"/>
-          <a:stretch>
-            <a:fillRect/>
-          </a:stretch>
-        </p:blipFill>
-        <p:spPr>
-          <a:xfrm>
-            <a:off x="373800" y="2595154"/>
-            <a:ext cx="8533262" cy="2349187"/>
-          </a:xfrm>
-          <a:prstGeom prst="rect">
-            <a:avLst/>
-          </a:prstGeom>
-        </p:spPr>
-      </p:pic>
-      <p:sp>
-        <p:nvSpPr>
-          <p:cNvPr id="11" name="TextBox 10"/>
-          <p:cNvSpPr txBox="1"/>
-          <p:nvPr/>
-        </p:nvSpPr>
-        <p:spPr>
-          <a:xfrm>
-            <a:off x="457200" y="1447609"/>
-            <a:ext cx="8001000" cy="400110"/>
-          </a:xfrm>
-          <a:prstGeom prst="rect">
-            <a:avLst/>
-          </a:prstGeom>
-          <a:noFill/>
-        </p:spPr>
-        <p:txBody>
-          <a:bodyPr wrap="square" rtlCol="0">
-            <a:spAutoFit/>
-          </a:bodyPr>
-          <a:lstStyle/>
-          <a:p>
-            <a:pPr marL="214313" indent="-214313">
-              <a:buFont typeface="Arial" panose="020B0604020202020204" pitchFamily="34" charset="0"/>
-              <a:buChar char="•"/>
-            </a:pPr>
-            <a:r>
-              <a:rPr lang="en-CA" sz="2000" dirty="0"/>
-              <a:t>Parallel both camera image processing</a:t>
-            </a:r>
-          </a:p>
-        </p:txBody>
-      </p:sp>
-    </p:spTree>
-    <p:extLst>
-      <p:ext uri="{BB962C8B-B14F-4D97-AF65-F5344CB8AC3E}">
-        <p14:creationId xmlns:p14="http://schemas.microsoft.com/office/powerpoint/2010/main" val="2549859183"/>
       </p:ext>
     </p:extLst>
   </p:cSld>
